--- a/docs/diagrams/HighLevelSequenceDiagrams.pptx
+++ b/docs/diagrams/HighLevelSequenceDiagrams.pptx
@@ -107,6 +107,22 @@
       </a:defRPr>
     </a:lvl9pPr>
   </p:defaultTextStyle>
+  <p:extLst>
+    <p:ext uri="{EFAFB233-063F-42B5-8137-9DF3F51BA10A}">
+      <p15:sldGuideLst xmlns:p15="http://schemas.microsoft.com/office/powerpoint/2012/main">
+        <p15:guide id="1" orient="horz" pos="1488">
+          <p15:clr>
+            <a:srgbClr val="A4A3A4"/>
+          </p15:clr>
+        </p15:guide>
+        <p15:guide id="2" pos="2880">
+          <p15:clr>
+            <a:srgbClr val="A4A3A4"/>
+          </p15:clr>
+        </p15:guide>
+      </p15:sldGuideLst>
+    </p:ext>
+  </p:extLst>
 </p:presentation>
 </file>
 
@@ -192,7 +208,7 @@
           <a:p>
             <a:fld id="{F5CC4B3F-88C1-4FFA-B1B6-F41C21DC6924}" type="datetimeFigureOut">
               <a:rPr lang="en-US" smtClean="0"/>
-              <a:t>10/16/2016</a:t>
+              <a:t>4/15/18</a:t>
             </a:fld>
             <a:endParaRPr lang="en-US"/>
           </a:p>
@@ -641,7 +657,7 @@
           <a:p>
             <a:fld id="{78C97017-6FC3-485B-9764-EAC9E56C1D49}" type="datetimeFigureOut">
               <a:rPr lang="en-US" smtClean="0"/>
-              <a:t>10/16/2016</a:t>
+              <a:t>4/15/18</a:t>
             </a:fld>
             <a:endParaRPr lang="en-US"/>
           </a:p>
@@ -811,7 +827,7 @@
           <a:p>
             <a:fld id="{78C97017-6FC3-485B-9764-EAC9E56C1D49}" type="datetimeFigureOut">
               <a:rPr lang="en-US" smtClean="0"/>
-              <a:t>10/16/2016</a:t>
+              <a:t>4/15/18</a:t>
             </a:fld>
             <a:endParaRPr lang="en-US"/>
           </a:p>
@@ -991,7 +1007,7 @@
           <a:p>
             <a:fld id="{78C97017-6FC3-485B-9764-EAC9E56C1D49}" type="datetimeFigureOut">
               <a:rPr lang="en-US" smtClean="0"/>
-              <a:t>10/16/2016</a:t>
+              <a:t>4/15/18</a:t>
             </a:fld>
             <a:endParaRPr lang="en-US"/>
           </a:p>
@@ -1161,7 +1177,7 @@
           <a:p>
             <a:fld id="{78C97017-6FC3-485B-9764-EAC9E56C1D49}" type="datetimeFigureOut">
               <a:rPr lang="en-US" smtClean="0"/>
-              <a:t>10/16/2016</a:t>
+              <a:t>4/15/18</a:t>
             </a:fld>
             <a:endParaRPr lang="en-US"/>
           </a:p>
@@ -1407,7 +1423,7 @@
           <a:p>
             <a:fld id="{78C97017-6FC3-485B-9764-EAC9E56C1D49}" type="datetimeFigureOut">
               <a:rPr lang="en-US" smtClean="0"/>
-              <a:t>10/16/2016</a:t>
+              <a:t>4/15/18</a:t>
             </a:fld>
             <a:endParaRPr lang="en-US"/>
           </a:p>
@@ -1695,7 +1711,7 @@
           <a:p>
             <a:fld id="{78C97017-6FC3-485B-9764-EAC9E56C1D49}" type="datetimeFigureOut">
               <a:rPr lang="en-US" smtClean="0"/>
-              <a:t>10/16/2016</a:t>
+              <a:t>4/15/18</a:t>
             </a:fld>
             <a:endParaRPr lang="en-US"/>
           </a:p>
@@ -2117,7 +2133,7 @@
           <a:p>
             <a:fld id="{78C97017-6FC3-485B-9764-EAC9E56C1D49}" type="datetimeFigureOut">
               <a:rPr lang="en-US" smtClean="0"/>
-              <a:t>10/16/2016</a:t>
+              <a:t>4/15/18</a:t>
             </a:fld>
             <a:endParaRPr lang="en-US"/>
           </a:p>
@@ -2235,7 +2251,7 @@
           <a:p>
             <a:fld id="{78C97017-6FC3-485B-9764-EAC9E56C1D49}" type="datetimeFigureOut">
               <a:rPr lang="en-US" smtClean="0"/>
-              <a:t>10/16/2016</a:t>
+              <a:t>4/15/18</a:t>
             </a:fld>
             <a:endParaRPr lang="en-US"/>
           </a:p>
@@ -2330,7 +2346,7 @@
           <a:p>
             <a:fld id="{78C97017-6FC3-485B-9764-EAC9E56C1D49}" type="datetimeFigureOut">
               <a:rPr lang="en-US" smtClean="0"/>
-              <a:t>10/16/2016</a:t>
+              <a:t>4/15/18</a:t>
             </a:fld>
             <a:endParaRPr lang="en-US"/>
           </a:p>
@@ -2607,7 +2623,7 @@
           <a:p>
             <a:fld id="{78C97017-6FC3-485B-9764-EAC9E56C1D49}" type="datetimeFigureOut">
               <a:rPr lang="en-US" smtClean="0"/>
-              <a:t>10/16/2016</a:t>
+              <a:t>4/15/18</a:t>
             </a:fld>
             <a:endParaRPr lang="en-US"/>
           </a:p>
@@ -2860,7 +2876,7 @@
           <a:p>
             <a:fld id="{78C97017-6FC3-485B-9764-EAC9E56C1D49}" type="datetimeFigureOut">
               <a:rPr lang="en-US" smtClean="0"/>
-              <a:t>10/16/2016</a:t>
+              <a:t>4/15/18</a:t>
             </a:fld>
             <a:endParaRPr lang="en-US"/>
           </a:p>
@@ -3073,7 +3089,7 @@
           <a:p>
             <a:fld id="{78C97017-6FC3-485B-9764-EAC9E56C1D49}" type="datetimeFigureOut">
               <a:rPr lang="en-US" smtClean="0"/>
-              <a:t>10/16/2016</a:t>
+              <a:t>4/15/18</a:t>
             </a:fld>
             <a:endParaRPr lang="en-US"/>
           </a:p>
@@ -4150,8 +4166,8 @@
         </p:nvSpPr>
         <p:spPr>
           <a:xfrm>
-            <a:off x="466818" y="1345880"/>
-            <a:ext cx="860170" cy="215444"/>
+            <a:off x="466817" y="1345880"/>
+            <a:ext cx="1087487" cy="430887"/>
           </a:xfrm>
           <a:prstGeom prst="rect">
             <a:avLst/>
@@ -4165,8 +4181,12 @@
           <a:lstStyle/>
           <a:p>
             <a:r>
+              <a:rPr lang="en-US" sz="1400" dirty="0"/>
+              <a:t>r</a:t>
+            </a:r>
+            <a:r>
               <a:rPr lang="en-US" sz="1400" dirty="0" smtClean="0"/>
-              <a:t>delete 1</a:t>
+              <a:t>emark 1 r/test</a:t>
             </a:r>
             <a:endParaRPr lang="en-US" sz="1400" dirty="0"/>
           </a:p>
@@ -4217,7 +4237,7 @@
         <p:spPr>
           <a:xfrm>
             <a:off x="2166172" y="1453379"/>
-            <a:ext cx="1424846" cy="215444"/>
+            <a:ext cx="1424846" cy="430887"/>
           </a:xfrm>
           <a:prstGeom prst="rect">
             <a:avLst/>
@@ -4236,7 +4256,15 @@
                   <a:srgbClr val="0070C0"/>
                 </a:solidFill>
               </a:rPr>
-              <a:t>execute(“delete 1”)</a:t>
+              <a:t>execute</a:t>
+            </a:r>
+            <a:r>
+              <a:rPr lang="en-US" sz="1400" dirty="0" smtClean="0">
+                <a:solidFill>
+                  <a:srgbClr val="0070C0"/>
+                </a:solidFill>
+              </a:rPr>
+              <a:t>(“remark 1 r/test”)</a:t>
             </a:r>
             <a:endParaRPr lang="en-US" sz="1400" dirty="0">
               <a:solidFill>
@@ -4305,20 +4333,12 @@
           <a:lstStyle/>
           <a:p>
             <a:r>
-              <a:rPr lang="en-US" sz="1400" dirty="0" err="1" smtClean="0">
-                <a:solidFill>
-                  <a:srgbClr val="7030A0"/>
-                </a:solidFill>
-              </a:rPr>
-              <a:t>deletePerson</a:t>
-            </a:r>
-            <a:r>
               <a:rPr lang="en-US" sz="1400" dirty="0" smtClean="0">
                 <a:solidFill>
                   <a:srgbClr val="7030A0"/>
                 </a:solidFill>
               </a:rPr>
-              <a:t>(p)</a:t>
+              <a:t>updatePerson()</a:t>
             </a:r>
             <a:endParaRPr lang="en-US" sz="1400" dirty="0">
               <a:solidFill>
@@ -4336,8 +4356,8 @@
         </p:nvSpPr>
         <p:spPr>
           <a:xfrm>
-            <a:off x="6074030" y="1687656"/>
-            <a:ext cx="2438400" cy="215444"/>
+            <a:off x="6063793" y="1735170"/>
+            <a:ext cx="2612770" cy="215444"/>
           </a:xfrm>
           <a:prstGeom prst="rect">
             <a:avLst/>
@@ -4361,14 +4381,14 @@
               <a:t>post(</a:t>
             </a:r>
             <a:r>
-              <a:rPr lang="en-US" sz="1400" dirty="0" err="1" smtClean="0">
+              <a:rPr lang="en-US" sz="1400" dirty="0">
                 <a:solidFill>
                   <a:schemeClr val="accent5">
                     <a:lumMod val="75000"/>
                   </a:schemeClr>
                 </a:solidFill>
               </a:rPr>
-              <a:t>AddressBookChangedEvent</a:t>
+              <a:t>PersonDetailsChangedEvent</a:t>
             </a:r>
             <a:r>
               <a:rPr lang="en-US" sz="1400" dirty="0" smtClean="0">
@@ -4557,15 +4577,7 @@
                   <a:schemeClr val="bg1"/>
                 </a:solidFill>
               </a:rPr>
-              <a:t>:</a:t>
-            </a:r>
-            <a:r>
-              <a:rPr lang="en-US" sz="1600" dirty="0" err="1" smtClean="0">
-                <a:solidFill>
-                  <a:schemeClr val="bg1"/>
-                </a:solidFill>
-              </a:rPr>
-              <a:t>EventsCenter</a:t>
+              <a:t>:EventsCenter</a:t>
             </a:r>
             <a:endParaRPr lang="en-SG" sz="1600" dirty="0">
               <a:solidFill>
@@ -4747,163 +4759,6 @@
       </p:cxnSp>
       <p:sp>
         <p:nvSpPr>
-          <p:cNvPr id="53" name="Rectangle 62"/>
-          <p:cNvSpPr/>
-          <p:nvPr/>
-        </p:nvSpPr>
-        <p:spPr>
-          <a:xfrm>
-            <a:off x="7370178" y="4278322"/>
-            <a:ext cx="1093635" cy="346760"/>
-          </a:xfrm>
-          <a:prstGeom prst="rect">
-            <a:avLst/>
-          </a:prstGeom>
-          <a:solidFill>
-            <a:schemeClr val="accent6">
-              <a:lumMod val="75000"/>
-            </a:schemeClr>
-          </a:solidFill>
-          <a:ln w="19050">
-            <a:solidFill>
-              <a:schemeClr val="accent6">
-                <a:lumMod val="75000"/>
-              </a:schemeClr>
-            </a:solidFill>
-          </a:ln>
-          <a:effectLst/>
-        </p:spPr>
-        <p:style>
-          <a:lnRef idx="1">
-            <a:schemeClr val="accent2"/>
-          </a:lnRef>
-          <a:fillRef idx="2">
-            <a:schemeClr val="accent2"/>
-          </a:fillRef>
-          <a:effectRef idx="1">
-            <a:schemeClr val="accent2"/>
-          </a:effectRef>
-          <a:fontRef idx="minor">
-            <a:schemeClr val="dk1"/>
-          </a:fontRef>
-        </p:style>
-        <p:txBody>
-          <a:bodyPr rtlCol="0" anchor="ctr"/>
-          <a:lstStyle/>
-          <a:p>
-            <a:pPr algn="ctr"/>
-            <a:r>
-              <a:rPr lang="en-US" sz="1600" dirty="0" smtClean="0">
-                <a:solidFill>
-                  <a:schemeClr val="bg1"/>
-                </a:solidFill>
-              </a:rPr>
-              <a:t>:Storage</a:t>
-            </a:r>
-            <a:endParaRPr lang="en-SG" sz="1600" dirty="0">
-              <a:solidFill>
-                <a:schemeClr val="bg1"/>
-              </a:solidFill>
-            </a:endParaRPr>
-          </a:p>
-        </p:txBody>
-      </p:sp>
-      <p:cxnSp>
-        <p:nvCxnSpPr>
-          <p:cNvPr id="54" name="Straight Connector 53"/>
-          <p:cNvCxnSpPr/>
-          <p:nvPr/>
-        </p:nvCxnSpPr>
-        <p:spPr>
-          <a:xfrm>
-            <a:off x="7916995" y="4641993"/>
-            <a:ext cx="0" cy="1723059"/>
-          </a:xfrm>
-          <a:prstGeom prst="line">
-            <a:avLst/>
-          </a:prstGeom>
-          <a:ln w="19050">
-            <a:solidFill>
-              <a:schemeClr val="accent6">
-                <a:lumMod val="75000"/>
-              </a:schemeClr>
-            </a:solidFill>
-            <a:prstDash val="sysDash"/>
-          </a:ln>
-          <a:effectLst/>
-        </p:spPr>
-        <p:style>
-          <a:lnRef idx="1">
-            <a:schemeClr val="accent1"/>
-          </a:lnRef>
-          <a:fillRef idx="2">
-            <a:schemeClr val="accent1"/>
-          </a:fillRef>
-          <a:effectRef idx="1">
-            <a:schemeClr val="accent1"/>
-          </a:effectRef>
-          <a:fontRef idx="minor">
-            <a:schemeClr val="dk1"/>
-          </a:fontRef>
-        </p:style>
-      </p:cxnSp>
-      <p:sp>
-        <p:nvSpPr>
-          <p:cNvPr id="55" name="Rectangle 54"/>
-          <p:cNvSpPr/>
-          <p:nvPr/>
-        </p:nvSpPr>
-        <p:spPr>
-          <a:xfrm>
-            <a:off x="7844987" y="5335662"/>
-            <a:ext cx="124478" cy="287409"/>
-          </a:xfrm>
-          <a:prstGeom prst="rect">
-            <a:avLst/>
-          </a:prstGeom>
-          <a:solidFill>
-            <a:schemeClr val="accent6">
-              <a:lumMod val="75000"/>
-            </a:schemeClr>
-          </a:solidFill>
-          <a:ln>
-            <a:solidFill>
-              <a:schemeClr val="accent6">
-                <a:lumMod val="75000"/>
-              </a:schemeClr>
-            </a:solidFill>
-          </a:ln>
-          <a:effectLst/>
-        </p:spPr>
-        <p:style>
-          <a:lnRef idx="1">
-            <a:schemeClr val="accent3"/>
-          </a:lnRef>
-          <a:fillRef idx="2">
-            <a:schemeClr val="accent3"/>
-          </a:fillRef>
-          <a:effectRef idx="1">
-            <a:schemeClr val="accent3"/>
-          </a:effectRef>
-          <a:fontRef idx="minor">
-            <a:schemeClr val="dk1"/>
-          </a:fontRef>
-        </p:style>
-        <p:txBody>
-          <a:bodyPr rtlCol="0" anchor="ctr"/>
-          <a:lstStyle/>
-          <a:p>
-            <a:pPr algn="ctr"/>
-            <a:endParaRPr lang="en-SG" sz="1400">
-              <a:solidFill>
-                <a:schemeClr val="dk1"/>
-              </a:solidFill>
-            </a:endParaRPr>
-          </a:p>
-        </p:txBody>
-      </p:sp>
-      <p:sp>
-        <p:nvSpPr>
           <p:cNvPr id="62" name="TextBox 61"/>
           <p:cNvSpPr txBox="1"/>
           <p:nvPr/>
@@ -4925,34 +4780,14 @@
           <a:lstStyle/>
           <a:p>
             <a:r>
-              <a:rPr lang="en-US" sz="1400" dirty="0" smtClean="0">
+              <a:rPr lang="en-US" sz="1400" dirty="0">
                 <a:solidFill>
                   <a:schemeClr val="accent5">
                     <a:lumMod val="75000"/>
                   </a:schemeClr>
                 </a:solidFill>
               </a:rPr>
-              <a:t>post(</a:t>
-            </a:r>
-            <a:r>
-              <a:rPr lang="en-US" sz="1400" dirty="0" err="1" smtClean="0">
-                <a:solidFill>
-                  <a:schemeClr val="accent5">
-                    <a:lumMod val="75000"/>
-                  </a:schemeClr>
-                </a:solidFill>
-              </a:rPr>
-              <a:t>AddressBookChangedEvent</a:t>
-            </a:r>
-            <a:r>
-              <a:rPr lang="en-US" sz="1400" dirty="0" smtClean="0">
-                <a:solidFill>
-                  <a:schemeClr val="accent5">
-                    <a:lumMod val="75000"/>
-                  </a:schemeClr>
-                </a:solidFill>
-              </a:rPr>
-              <a:t>)</a:t>
+              <a:t>post(PersonDetailsChangedEvent)</a:t>
             </a:r>
             <a:endParaRPr lang="en-US" sz="1400" dirty="0">
               <a:solidFill>
@@ -4964,46 +4799,6 @@
           </a:p>
         </p:txBody>
       </p:sp>
-      <p:cxnSp>
-        <p:nvCxnSpPr>
-          <p:cNvPr id="63" name="Straight Arrow Connector 62"/>
-          <p:cNvCxnSpPr/>
-          <p:nvPr/>
-        </p:nvCxnSpPr>
-        <p:spPr>
-          <a:xfrm flipH="1">
-            <a:off x="4526729" y="5623071"/>
-            <a:ext cx="3383941" cy="0"/>
-          </a:xfrm>
-          <a:prstGeom prst="straightConnector1">
-            <a:avLst/>
-          </a:prstGeom>
-          <a:ln w="19050">
-            <a:solidFill>
-              <a:schemeClr val="accent6">
-                <a:lumMod val="75000"/>
-              </a:schemeClr>
-            </a:solidFill>
-            <a:prstDash val="sysDash"/>
-            <a:headEnd type="none" w="med" len="med"/>
-            <a:tailEnd type="arrow" w="med" len="med"/>
-          </a:ln>
-        </p:spPr>
-        <p:style>
-          <a:lnRef idx="1">
-            <a:schemeClr val="accent1"/>
-          </a:lnRef>
-          <a:fillRef idx="0">
-            <a:schemeClr val="accent1"/>
-          </a:fillRef>
-          <a:effectRef idx="0">
-            <a:schemeClr val="accent1"/>
-          </a:effectRef>
-          <a:fontRef idx="minor">
-            <a:schemeClr val="tx1"/>
-          </a:fontRef>
-        </p:style>
-      </p:cxnSp>
       <p:sp>
         <p:nvSpPr>
           <p:cNvPr id="66" name="Rectangle 62"/>
@@ -5057,15 +4852,7 @@
                   <a:schemeClr val="bg1"/>
                 </a:solidFill>
               </a:rPr>
-              <a:t>:</a:t>
-            </a:r>
-            <a:r>
-              <a:rPr lang="en-US" sz="1600" dirty="0" err="1" smtClean="0">
-                <a:solidFill>
-                  <a:schemeClr val="bg1"/>
-                </a:solidFill>
-              </a:rPr>
-              <a:t>EventsCenter</a:t>
+              <a:t>:EventsCenter</a:t>
             </a:r>
             <a:endParaRPr lang="en-SG" sz="1600" dirty="0">
               <a:solidFill>
@@ -5247,97 +5034,6 @@
       </p:cxnSp>
       <p:cxnSp>
         <p:nvCxnSpPr>
-          <p:cNvPr id="72" name="Straight Arrow Connector 71"/>
-          <p:cNvCxnSpPr/>
-          <p:nvPr/>
-        </p:nvCxnSpPr>
-        <p:spPr>
-          <a:xfrm>
-            <a:off x="4526729" y="5341014"/>
-            <a:ext cx="3318258" cy="0"/>
-          </a:xfrm>
-          <a:prstGeom prst="straightConnector1">
-            <a:avLst/>
-          </a:prstGeom>
-          <a:ln w="19050">
-            <a:solidFill>
-              <a:schemeClr val="accent5">
-                <a:lumMod val="75000"/>
-              </a:schemeClr>
-            </a:solidFill>
-            <a:headEnd type="none" w="med" len="med"/>
-            <a:tailEnd type="arrow" w="med" len="med"/>
-          </a:ln>
-        </p:spPr>
-        <p:style>
-          <a:lnRef idx="1">
-            <a:schemeClr val="accent1"/>
-          </a:lnRef>
-          <a:fillRef idx="0">
-            <a:schemeClr val="accent1"/>
-          </a:fillRef>
-          <a:effectRef idx="0">
-            <a:schemeClr val="accent1"/>
-          </a:effectRef>
-          <a:fontRef idx="minor">
-            <a:schemeClr val="tx1"/>
-          </a:fontRef>
-        </p:style>
-      </p:cxnSp>
-      <p:sp>
-        <p:nvSpPr>
-          <p:cNvPr id="74" name="TextBox 73"/>
-          <p:cNvSpPr txBox="1"/>
-          <p:nvPr/>
-        </p:nvSpPr>
-        <p:spPr>
-          <a:xfrm>
-            <a:off x="5036330" y="5065911"/>
-            <a:ext cx="2659870" cy="215444"/>
-          </a:xfrm>
-          <a:prstGeom prst="rect">
-            <a:avLst/>
-          </a:prstGeom>
-          <a:noFill/>
-        </p:spPr>
-        <p:txBody>
-          <a:bodyPr wrap="square" lIns="0" tIns="0" rIns="0" bIns="0" rtlCol="0">
-            <a:spAutoFit/>
-          </a:bodyPr>
-          <a:lstStyle/>
-          <a:p>
-            <a:r>
-              <a:rPr lang="en-US" sz="1400" dirty="0" err="1" smtClean="0">
-                <a:solidFill>
-                  <a:schemeClr val="accent6">
-                    <a:lumMod val="75000"/>
-                  </a:schemeClr>
-                </a:solidFill>
-              </a:rPr>
-              <a:t>handleAddresssBookChangedEvent</a:t>
-            </a:r>
-            <a:r>
-              <a:rPr lang="en-US" sz="1400" dirty="0" smtClean="0">
-                <a:solidFill>
-                  <a:schemeClr val="accent6">
-                    <a:lumMod val="75000"/>
-                  </a:schemeClr>
-                </a:solidFill>
-              </a:rPr>
-              <a:t>()</a:t>
-            </a:r>
-            <a:endParaRPr lang="en-US" sz="1400" dirty="0">
-              <a:solidFill>
-                <a:schemeClr val="accent6">
-                  <a:lumMod val="75000"/>
-                </a:schemeClr>
-              </a:solidFill>
-            </a:endParaRPr>
-          </a:p>
-        </p:txBody>
-      </p:sp>
-      <p:cxnSp>
-        <p:nvCxnSpPr>
           <p:cNvPr id="85" name="Straight Connector 84"/>
           <p:cNvCxnSpPr/>
           <p:nvPr/>
@@ -5620,24 +5316,24 @@
           <a:lstStyle/>
           <a:p>
             <a:r>
-              <a:rPr lang="en-US" sz="1400" dirty="0" err="1" smtClean="0">
+              <a:rPr lang="en-US" sz="1400" dirty="0">
                 <a:solidFill>
-                  <a:srgbClr val="00B050"/>
+                  <a:srgbClr val="92D050"/>
                 </a:solidFill>
               </a:rPr>
-              <a:t>handleAddresssBookChangedEvent</a:t>
+              <a:t>handlePersonDetailsChangedEvent</a:t>
             </a:r>
             <a:r>
               <a:rPr lang="en-US" sz="1400" dirty="0" smtClean="0">
                 <a:solidFill>
-                  <a:srgbClr val="00B050"/>
+                  <a:srgbClr val="92D050"/>
                 </a:solidFill>
               </a:rPr>
               <a:t>()</a:t>
             </a:r>
             <a:endParaRPr lang="en-US" sz="1400" dirty="0">
               <a:solidFill>
-                <a:srgbClr val="00B050"/>
+                <a:srgbClr val="92D050"/>
               </a:solidFill>
             </a:endParaRPr>
           </a:p>
@@ -5811,7 +5507,7 @@
         <p:spPr>
           <a:xfrm>
             <a:off x="194562" y="5444571"/>
-            <a:ext cx="794081" cy="430887"/>
+            <a:ext cx="794081" cy="861774"/>
           </a:xfrm>
           <a:prstGeom prst="rect">
             <a:avLst/>
@@ -5831,235 +5527,19 @@
                   <a:srgbClr val="00B050"/>
                 </a:solidFill>
               </a:rPr>
-              <a:t>Update status bar</a:t>
+              <a:t>Update </a:t>
+            </a:r>
+            <a:r>
+              <a:rPr lang="en-US" sz="1400" dirty="0" smtClean="0">
+                <a:solidFill>
+                  <a:srgbClr val="00B050"/>
+                </a:solidFill>
+              </a:rPr>
+              <a:t>person details pane</a:t>
             </a:r>
             <a:endParaRPr lang="en-US" sz="1400" dirty="0">
               <a:solidFill>
                 <a:srgbClr val="00B050"/>
-              </a:solidFill>
-            </a:endParaRPr>
-          </a:p>
-        </p:txBody>
-      </p:sp>
-      <p:grpSp>
-        <p:nvGrpSpPr>
-          <p:cNvPr id="58" name="Group 57"/>
-          <p:cNvGrpSpPr/>
-          <p:nvPr/>
-        </p:nvGrpSpPr>
-        <p:grpSpPr>
-          <a:xfrm flipH="1">
-            <a:off x="7936842" y="5335662"/>
-            <a:ext cx="217349" cy="270072"/>
-            <a:chOff x="1028134" y="5612032"/>
-            <a:chExt cx="217349" cy="270072"/>
-          </a:xfrm>
-        </p:grpSpPr>
-        <p:sp>
-          <p:nvSpPr>
-            <p:cNvPr id="59" name="Freeform 58"/>
-            <p:cNvSpPr/>
-            <p:nvPr/>
-          </p:nvSpPr>
-          <p:spPr>
-            <a:xfrm rot="2600998" flipH="1" flipV="1">
-              <a:off x="1028134" y="5612032"/>
-              <a:ext cx="167452" cy="116880"/>
-            </a:xfrm>
-            <a:custGeom>
-              <a:avLst/>
-              <a:gdLst>
-                <a:gd name="connsiteX0" fmla="*/ 0 w 226400"/>
-                <a:gd name="connsiteY0" fmla="*/ 32920 h 171466"/>
-                <a:gd name="connsiteX1" fmla="*/ 157018 w 226400"/>
-                <a:gd name="connsiteY1" fmla="*/ 5211 h 171466"/>
-                <a:gd name="connsiteX2" fmla="*/ 221673 w 226400"/>
-                <a:gd name="connsiteY2" fmla="*/ 125284 h 171466"/>
-                <a:gd name="connsiteX3" fmla="*/ 36945 w 226400"/>
-                <a:gd name="connsiteY3" fmla="*/ 171466 h 171466"/>
-              </a:gdLst>
-              <a:ahLst/>
-              <a:cxnLst>
-                <a:cxn ang="0">
-                  <a:pos x="connsiteX0" y="connsiteY0"/>
-                </a:cxn>
-                <a:cxn ang="0">
-                  <a:pos x="connsiteX1" y="connsiteY1"/>
-                </a:cxn>
-                <a:cxn ang="0">
-                  <a:pos x="connsiteX2" y="connsiteY2"/>
-                </a:cxn>
-                <a:cxn ang="0">
-                  <a:pos x="connsiteX3" y="connsiteY3"/>
-                </a:cxn>
-              </a:cxnLst>
-              <a:rect l="l" t="t" r="r" b="b"/>
-              <a:pathLst>
-                <a:path w="226400" h="171466">
-                  <a:moveTo>
-                    <a:pt x="0" y="32920"/>
-                  </a:moveTo>
-                  <a:cubicBezTo>
-                    <a:pt x="60036" y="11368"/>
-                    <a:pt x="120073" y="-10183"/>
-                    <a:pt x="157018" y="5211"/>
-                  </a:cubicBezTo>
-                  <a:cubicBezTo>
-                    <a:pt x="193963" y="20605"/>
-                    <a:pt x="241685" y="97575"/>
-                    <a:pt x="221673" y="125284"/>
-                  </a:cubicBezTo>
-                  <a:cubicBezTo>
-                    <a:pt x="201661" y="152993"/>
-                    <a:pt x="119303" y="162229"/>
-                    <a:pt x="36945" y="171466"/>
-                  </a:cubicBezTo>
-                </a:path>
-              </a:pathLst>
-            </a:custGeom>
-            <a:ln w="19050">
-              <a:solidFill>
-                <a:schemeClr val="accent6">
-                  <a:lumMod val="75000"/>
-                </a:schemeClr>
-              </a:solidFill>
-              <a:headEnd type="arrow" w="med" len="med"/>
-              <a:tailEnd type="none" w="med" len="med"/>
-            </a:ln>
-          </p:spPr>
-          <p:style>
-            <a:lnRef idx="1">
-              <a:schemeClr val="accent1"/>
-            </a:lnRef>
-            <a:fillRef idx="0">
-              <a:schemeClr val="accent1"/>
-            </a:fillRef>
-            <a:effectRef idx="0">
-              <a:schemeClr val="accent1"/>
-            </a:effectRef>
-            <a:fontRef idx="minor">
-              <a:schemeClr val="tx1"/>
-            </a:fontRef>
-          </p:style>
-          <p:txBody>
-            <a:bodyPr rtlCol="0" anchor="ctr"/>
-            <a:lstStyle/>
-            <a:p>
-              <a:pPr algn="ctr"/>
-              <a:endParaRPr lang="en-SG"/>
-            </a:p>
-          </p:txBody>
-        </p:sp>
-        <p:sp>
-          <p:nvSpPr>
-            <p:cNvPr id="60" name="Rectangle 59"/>
-            <p:cNvSpPr/>
-            <p:nvPr/>
-          </p:nvSpPr>
-          <p:spPr>
-            <a:xfrm>
-              <a:off x="1147403" y="5712513"/>
-              <a:ext cx="98080" cy="169591"/>
-            </a:xfrm>
-            <a:prstGeom prst="rect">
-              <a:avLst/>
-            </a:prstGeom>
-            <a:solidFill>
-              <a:schemeClr val="accent6">
-                <a:lumMod val="75000"/>
-              </a:schemeClr>
-            </a:solidFill>
-            <a:ln>
-              <a:solidFill>
-                <a:schemeClr val="bg1"/>
-              </a:solidFill>
-            </a:ln>
-            <a:effectLst/>
-          </p:spPr>
-          <p:style>
-            <a:lnRef idx="1">
-              <a:schemeClr val="accent3"/>
-            </a:lnRef>
-            <a:fillRef idx="2">
-              <a:schemeClr val="accent3"/>
-            </a:fillRef>
-            <a:effectRef idx="1">
-              <a:schemeClr val="accent3"/>
-            </a:effectRef>
-            <a:fontRef idx="minor">
-              <a:schemeClr val="dk1"/>
-            </a:fontRef>
-          </p:style>
-          <p:txBody>
-            <a:bodyPr rtlCol="0" anchor="ctr"/>
-            <a:lstStyle/>
-            <a:p>
-              <a:pPr algn="ctr"/>
-              <a:endParaRPr lang="en-SG" sz="1400">
-                <a:solidFill>
-                  <a:schemeClr val="dk1"/>
-                </a:solidFill>
-              </a:endParaRPr>
-            </a:p>
-          </p:txBody>
-        </p:sp>
-      </p:grpSp>
-      <p:sp>
-        <p:nvSpPr>
-          <p:cNvPr id="61" name="TextBox 60"/>
-          <p:cNvSpPr txBox="1"/>
-          <p:nvPr/>
-        </p:nvSpPr>
-        <p:spPr>
-          <a:xfrm>
-            <a:off x="8223953" y="5180992"/>
-            <a:ext cx="539047" cy="430887"/>
-          </a:xfrm>
-          <a:prstGeom prst="rect">
-            <a:avLst/>
-          </a:prstGeom>
-          <a:noFill/>
-        </p:spPr>
-        <p:txBody>
-          <a:bodyPr wrap="square" lIns="0" tIns="0" rIns="0" bIns="0" rtlCol="0">
-            <a:spAutoFit/>
-          </a:bodyPr>
-          <a:lstStyle/>
-          <a:p>
-            <a:r>
-              <a:rPr lang="en-US" sz="1400" dirty="0" smtClean="0">
-                <a:solidFill>
-                  <a:schemeClr val="accent6">
-                    <a:lumMod val="75000"/>
-                  </a:schemeClr>
-                </a:solidFill>
-              </a:rPr>
-              <a:t>Save </a:t>
-            </a:r>
-            <a:br>
-              <a:rPr lang="en-US" sz="1400" dirty="0" smtClean="0">
-                <a:solidFill>
-                  <a:schemeClr val="accent6">
-                    <a:lumMod val="75000"/>
-                  </a:schemeClr>
-                </a:solidFill>
-              </a:rPr>
-            </a:br>
-            <a:r>
-              <a:rPr lang="en-US" sz="1400" dirty="0" smtClean="0">
-                <a:solidFill>
-                  <a:schemeClr val="accent6">
-                    <a:lumMod val="75000"/>
-                  </a:schemeClr>
-                </a:solidFill>
-              </a:rPr>
-              <a:t>to file</a:t>
-            </a:r>
-            <a:endParaRPr lang="en-US" sz="1400" dirty="0">
-              <a:solidFill>
-                <a:schemeClr val="accent6">
-                  <a:lumMod val="75000"/>
-                </a:schemeClr>
               </a:solidFill>
             </a:endParaRPr>
           </a:p>
